--- a/CBP專案/發票主檔&發票明細檔API.pptx
+++ b/CBP專案/發票主檔&發票明細檔API.pptx
@@ -110,6 +110,11 @@
       </a:defRPr>
     </a:lvl9pPr>
   </p:defaultTextStyle>
+  <p:extLst>
+    <p:ext uri="{EFAFB233-063F-42B5-8137-9DF3F51BA10A}">
+      <p15:sldGuideLst xmlns:p15="http://schemas.microsoft.com/office/powerpoint/2012/main"/>
+    </p:ext>
+  </p:extLst>
 </p:presentation>
 </file>
 
@@ -260,7 +265,7 @@
           <a:p>
             <a:fld id="{E42DE7F3-F75A-6F42-895B-BB62B0C9BBBD}" type="datetimeFigureOut">
               <a:rPr kumimoji="1" lang="zh-TW" altLang="en-US" smtClean="0"/>
-              <a:t>2023/1/17</a:t>
+              <a:t>2023/2/7</a:t>
             </a:fld>
             <a:endParaRPr kumimoji="1" lang="zh-TW" altLang="en-US"/>
           </a:p>
@@ -458,7 +463,7 @@
           <a:p>
             <a:fld id="{E42DE7F3-F75A-6F42-895B-BB62B0C9BBBD}" type="datetimeFigureOut">
               <a:rPr kumimoji="1" lang="zh-TW" altLang="en-US" smtClean="0"/>
-              <a:t>2023/1/17</a:t>
+              <a:t>2023/2/7</a:t>
             </a:fld>
             <a:endParaRPr kumimoji="1" lang="zh-TW" altLang="en-US"/>
           </a:p>
@@ -666,7 +671,7 @@
           <a:p>
             <a:fld id="{E42DE7F3-F75A-6F42-895B-BB62B0C9BBBD}" type="datetimeFigureOut">
               <a:rPr kumimoji="1" lang="zh-TW" altLang="en-US" smtClean="0"/>
-              <a:t>2023/1/17</a:t>
+              <a:t>2023/2/7</a:t>
             </a:fld>
             <a:endParaRPr kumimoji="1" lang="zh-TW" altLang="en-US"/>
           </a:p>
@@ -864,7 +869,7 @@
           <a:p>
             <a:fld id="{E42DE7F3-F75A-6F42-895B-BB62B0C9BBBD}" type="datetimeFigureOut">
               <a:rPr kumimoji="1" lang="zh-TW" altLang="en-US" smtClean="0"/>
-              <a:t>2023/1/17</a:t>
+              <a:t>2023/2/7</a:t>
             </a:fld>
             <a:endParaRPr kumimoji="1" lang="zh-TW" altLang="en-US"/>
           </a:p>
@@ -1139,7 +1144,7 @@
           <a:p>
             <a:fld id="{E42DE7F3-F75A-6F42-895B-BB62B0C9BBBD}" type="datetimeFigureOut">
               <a:rPr kumimoji="1" lang="zh-TW" altLang="en-US" smtClean="0"/>
-              <a:t>2023/1/17</a:t>
+              <a:t>2023/2/7</a:t>
             </a:fld>
             <a:endParaRPr kumimoji="1" lang="zh-TW" altLang="en-US"/>
           </a:p>
@@ -1404,7 +1409,7 @@
           <a:p>
             <a:fld id="{E42DE7F3-F75A-6F42-895B-BB62B0C9BBBD}" type="datetimeFigureOut">
               <a:rPr kumimoji="1" lang="zh-TW" altLang="en-US" smtClean="0"/>
-              <a:t>2023/1/17</a:t>
+              <a:t>2023/2/7</a:t>
             </a:fld>
             <a:endParaRPr kumimoji="1" lang="zh-TW" altLang="en-US"/>
           </a:p>
@@ -1816,7 +1821,7 @@
           <a:p>
             <a:fld id="{E42DE7F3-F75A-6F42-895B-BB62B0C9BBBD}" type="datetimeFigureOut">
               <a:rPr kumimoji="1" lang="zh-TW" altLang="en-US" smtClean="0"/>
-              <a:t>2023/1/17</a:t>
+              <a:t>2023/2/7</a:t>
             </a:fld>
             <a:endParaRPr kumimoji="1" lang="zh-TW" altLang="en-US"/>
           </a:p>
@@ -1957,7 +1962,7 @@
           <a:p>
             <a:fld id="{E42DE7F3-F75A-6F42-895B-BB62B0C9BBBD}" type="datetimeFigureOut">
               <a:rPr kumimoji="1" lang="zh-TW" altLang="en-US" smtClean="0"/>
-              <a:t>2023/1/17</a:t>
+              <a:t>2023/2/7</a:t>
             </a:fld>
             <a:endParaRPr kumimoji="1" lang="zh-TW" altLang="en-US"/>
           </a:p>
@@ -2070,7 +2075,7 @@
           <a:p>
             <a:fld id="{E42DE7F3-F75A-6F42-895B-BB62B0C9BBBD}" type="datetimeFigureOut">
               <a:rPr kumimoji="1" lang="zh-TW" altLang="en-US" smtClean="0"/>
-              <a:t>2023/1/17</a:t>
+              <a:t>2023/2/7</a:t>
             </a:fld>
             <a:endParaRPr kumimoji="1" lang="zh-TW" altLang="en-US"/>
           </a:p>
@@ -2381,7 +2386,7 @@
           <a:p>
             <a:fld id="{E42DE7F3-F75A-6F42-895B-BB62B0C9BBBD}" type="datetimeFigureOut">
               <a:rPr kumimoji="1" lang="zh-TW" altLang="en-US" smtClean="0"/>
-              <a:t>2023/1/17</a:t>
+              <a:t>2023/2/7</a:t>
             </a:fld>
             <a:endParaRPr kumimoji="1" lang="zh-TW" altLang="en-US"/>
           </a:p>
@@ -2669,7 +2674,7 @@
           <a:p>
             <a:fld id="{E42DE7F3-F75A-6F42-895B-BB62B0C9BBBD}" type="datetimeFigureOut">
               <a:rPr kumimoji="1" lang="zh-TW" altLang="en-US" smtClean="0"/>
-              <a:t>2023/1/17</a:t>
+              <a:t>2023/2/7</a:t>
             </a:fld>
             <a:endParaRPr kumimoji="1" lang="zh-TW" altLang="en-US"/>
           </a:p>
@@ -2910,7 +2915,7 @@
           <a:p>
             <a:fld id="{E42DE7F3-F75A-6F42-895B-BB62B0C9BBBD}" type="datetimeFigureOut">
               <a:rPr kumimoji="1" lang="zh-TW" altLang="en-US" smtClean="0"/>
-              <a:t>2023/1/17</a:t>
+              <a:t>2023/2/7</a:t>
             </a:fld>
             <a:endParaRPr kumimoji="1" lang="zh-TW" altLang="en-US"/>
           </a:p>
@@ -6667,7 +6672,7 @@
         </p:blipFill>
         <p:spPr>
           <a:xfrm>
-            <a:off x="937867" y="1656018"/>
+            <a:off x="1989202" y="1833118"/>
             <a:ext cx="4341430" cy="2442055"/>
           </a:xfrm>
           <a:prstGeom prst="rect">
@@ -7184,10 +7189,18 @@
                 <a:latin typeface="Consolas" panose="020B0609020204030204" pitchFamily="49" charset="0"/>
                 <a:ea typeface="標楷體" panose="03000509000000000000" pitchFamily="65" charset="-120"/>
               </a:rPr>
-              <a:t>   a. TEMPORARY</a:t>
-            </a:r>
-          </a:p>
-          <a:p>
+              <a:t>   a. VALIDATED</a:t>
+            </a:r>
+            <a:r>
+              <a:rPr lang="en-US" altLang="zh-TW" sz="1200" dirty="0">
+                <a:solidFill>
+                  <a:srgbClr val="7030A0"/>
+                </a:solidFill>
+                <a:latin typeface="Consolas" panose="020B0609020204030204" pitchFamily="49" charset="0"/>
+                <a:ea typeface="標楷體" panose="03000509000000000000" pitchFamily="65" charset="-120"/>
+              </a:rPr>
+              <a:t>(</a:t>
+            </a:r>
             <a:r>
               <a:rPr lang="zh-TW" altLang="en-US" sz="1200" dirty="0">
                 <a:solidFill>
@@ -7196,8 +7209,74 @@
                 <a:latin typeface="Consolas" panose="020B0609020204030204" pitchFamily="49" charset="0"/>
                 <a:ea typeface="標楷體" panose="03000509000000000000" pitchFamily="65" charset="-120"/>
               </a:rPr>
-              <a:t>   b. VALIDATED</a:t>
-            </a:r>
+              <a:t>尚未立帳</a:t>
+            </a:r>
+            <a:r>
+              <a:rPr lang="en-US" altLang="zh-TW" sz="1200" dirty="0">
+                <a:solidFill>
+                  <a:srgbClr val="7030A0"/>
+                </a:solidFill>
+                <a:latin typeface="Consolas" panose="020B0609020204030204" pitchFamily="49" charset="0"/>
+                <a:ea typeface="標楷體" panose="03000509000000000000" pitchFamily="65" charset="-120"/>
+              </a:rPr>
+              <a:t>)</a:t>
+            </a:r>
+            <a:endParaRPr lang="zh-TW" altLang="en-US" sz="1200" dirty="0">
+              <a:solidFill>
+                <a:srgbClr val="7030A0"/>
+              </a:solidFill>
+              <a:latin typeface="Consolas" panose="020B0609020204030204" pitchFamily="49" charset="0"/>
+              <a:ea typeface="標楷體" panose="03000509000000000000" pitchFamily="65" charset="-120"/>
+            </a:endParaRPr>
+          </a:p>
+          <a:p>
+            <a:r>
+              <a:rPr lang="zh-TW" altLang="en-US" sz="1200" dirty="0">
+                <a:solidFill>
+                  <a:srgbClr val="7030A0"/>
+                </a:solidFill>
+                <a:latin typeface="Consolas" panose="020B0609020204030204" pitchFamily="49" charset="0"/>
+                <a:ea typeface="標楷體" panose="03000509000000000000" pitchFamily="65" charset="-120"/>
+              </a:rPr>
+              <a:t>   b. </a:t>
+            </a:r>
+            <a:r>
+              <a:rPr lang="en-US" altLang="zh-TW" sz="1200" dirty="0">
+                <a:solidFill>
+                  <a:srgbClr val="7030A0"/>
+                </a:solidFill>
+                <a:latin typeface="Consolas" panose="020B0609020204030204" pitchFamily="49" charset="0"/>
+                <a:ea typeface="標楷體" panose="03000509000000000000" pitchFamily="65" charset="-120"/>
+              </a:rPr>
+              <a:t>BILLED(</a:t>
+            </a:r>
+            <a:r>
+              <a:rPr lang="zh-TW" altLang="en-US" sz="1200" dirty="0">
+                <a:solidFill>
+                  <a:srgbClr val="7030A0"/>
+                </a:solidFill>
+                <a:latin typeface="Consolas" panose="020B0609020204030204" pitchFamily="49" charset="0"/>
+                <a:ea typeface="標楷體" panose="03000509000000000000" pitchFamily="65" charset="-120"/>
+              </a:rPr>
+              <a:t>已立帳</a:t>
+            </a:r>
+            <a:r>
+              <a:rPr lang="en-US" altLang="zh-TW" sz="1200" dirty="0">
+                <a:solidFill>
+                  <a:srgbClr val="7030A0"/>
+                </a:solidFill>
+                <a:latin typeface="Consolas" panose="020B0609020204030204" pitchFamily="49" charset="0"/>
+                <a:ea typeface="標楷體" panose="03000509000000000000" pitchFamily="65" charset="-120"/>
+              </a:rPr>
+              <a:t>)</a:t>
+            </a:r>
+            <a:endParaRPr lang="zh-TW" altLang="en-US" sz="1200" dirty="0">
+              <a:solidFill>
+                <a:srgbClr val="7030A0"/>
+              </a:solidFill>
+              <a:latin typeface="Consolas" panose="020B0609020204030204" pitchFamily="49" charset="0"/>
+              <a:ea typeface="標楷體" panose="03000509000000000000" pitchFamily="65" charset="-120"/>
+            </a:endParaRPr>
           </a:p>
         </p:txBody>
       </p:sp>
@@ -8081,25 +8160,7 @@
                 <a:cs typeface="Consolas" panose="020B0609020204030204" pitchFamily="49" charset="0"/>
                 <a:hlinkClick r:id="rId4"/>
               </a:rPr>
-              <a:t>/InvoiceDetail/WKMasterID={</a:t>
-            </a:r>
-            <a:r>
-              <a:rPr lang="en" altLang="zh-TW" sz="1000" dirty="0">
-                <a:latin typeface="Consolas" panose="020B0609020204030204" pitchFamily="49" charset="0"/>
-                <a:ea typeface="BiauKai" panose="02010601000101010101" pitchFamily="2" charset="-120"/>
-                <a:cs typeface="Consolas" panose="020B0609020204030204" pitchFamily="49" charset="0"/>
-                <a:hlinkClick r:id="rId4"/>
-              </a:rPr>
-              <a:t>WKMasterID</a:t>
-            </a:r>
-            <a:r>
-              <a:rPr lang="en" altLang="zh-TW" sz="1000" dirty="0">
-                <a:latin typeface="Consolas" panose="020B0609020204030204" pitchFamily="49" charset="0"/>
-                <a:ea typeface="BiauKai" panose="02010601000101010101" pitchFamily="2" charset="-120"/>
-                <a:cs typeface="Consolas" panose="020B0609020204030204" pitchFamily="49" charset="0"/>
-                <a:hlinkClick r:id="rId4"/>
-              </a:rPr>
-              <a:t>}</a:t>
+              <a:t>/InvoiceDetail/WKMasterID={WKMasterID}</a:t>
             </a:r>
             <a:endParaRPr lang="en" altLang="zh-TW" sz="1000" dirty="0">
               <a:latin typeface="Consolas" panose="020B0609020204030204" pitchFamily="49" charset="0"/>

--- a/CBP專案/發票主檔&發票明細檔API.pptx
+++ b/CBP專案/發票主檔&發票明細檔API.pptx
@@ -10,7 +10,7 @@
     <p:sldId id="258" r:id="rId4"/>
     <p:sldId id="259" r:id="rId5"/>
     <p:sldId id="260" r:id="rId6"/>
-    <p:sldId id="263" r:id="rId7"/>
+    <p:sldId id="264" r:id="rId7"/>
     <p:sldId id="262" r:id="rId8"/>
   </p:sldIdLst>
   <p:sldSz cx="12192000" cy="6858000"/>
@@ -265,7 +265,7 @@
           <a:p>
             <a:fld id="{E42DE7F3-F75A-6F42-895B-BB62B0C9BBBD}" type="datetimeFigureOut">
               <a:rPr kumimoji="1" lang="zh-TW" altLang="en-US" smtClean="0"/>
-              <a:t>2023/2/7</a:t>
+              <a:t>2023/2/9</a:t>
             </a:fld>
             <a:endParaRPr kumimoji="1" lang="zh-TW" altLang="en-US"/>
           </a:p>
@@ -463,7 +463,7 @@
           <a:p>
             <a:fld id="{E42DE7F3-F75A-6F42-895B-BB62B0C9BBBD}" type="datetimeFigureOut">
               <a:rPr kumimoji="1" lang="zh-TW" altLang="en-US" smtClean="0"/>
-              <a:t>2023/2/7</a:t>
+              <a:t>2023/2/9</a:t>
             </a:fld>
             <a:endParaRPr kumimoji="1" lang="zh-TW" altLang="en-US"/>
           </a:p>
@@ -671,7 +671,7 @@
           <a:p>
             <a:fld id="{E42DE7F3-F75A-6F42-895B-BB62B0C9BBBD}" type="datetimeFigureOut">
               <a:rPr kumimoji="1" lang="zh-TW" altLang="en-US" smtClean="0"/>
-              <a:t>2023/2/7</a:t>
+              <a:t>2023/2/9</a:t>
             </a:fld>
             <a:endParaRPr kumimoji="1" lang="zh-TW" altLang="en-US"/>
           </a:p>
@@ -869,7 +869,7 @@
           <a:p>
             <a:fld id="{E42DE7F3-F75A-6F42-895B-BB62B0C9BBBD}" type="datetimeFigureOut">
               <a:rPr kumimoji="1" lang="zh-TW" altLang="en-US" smtClean="0"/>
-              <a:t>2023/2/7</a:t>
+              <a:t>2023/2/9</a:t>
             </a:fld>
             <a:endParaRPr kumimoji="1" lang="zh-TW" altLang="en-US"/>
           </a:p>
@@ -1144,7 +1144,7 @@
           <a:p>
             <a:fld id="{E42DE7F3-F75A-6F42-895B-BB62B0C9BBBD}" type="datetimeFigureOut">
               <a:rPr kumimoji="1" lang="zh-TW" altLang="en-US" smtClean="0"/>
-              <a:t>2023/2/7</a:t>
+              <a:t>2023/2/9</a:t>
             </a:fld>
             <a:endParaRPr kumimoji="1" lang="zh-TW" altLang="en-US"/>
           </a:p>
@@ -1409,7 +1409,7 @@
           <a:p>
             <a:fld id="{E42DE7F3-F75A-6F42-895B-BB62B0C9BBBD}" type="datetimeFigureOut">
               <a:rPr kumimoji="1" lang="zh-TW" altLang="en-US" smtClean="0"/>
-              <a:t>2023/2/7</a:t>
+              <a:t>2023/2/9</a:t>
             </a:fld>
             <a:endParaRPr kumimoji="1" lang="zh-TW" altLang="en-US"/>
           </a:p>
@@ -1821,7 +1821,7 @@
           <a:p>
             <a:fld id="{E42DE7F3-F75A-6F42-895B-BB62B0C9BBBD}" type="datetimeFigureOut">
               <a:rPr kumimoji="1" lang="zh-TW" altLang="en-US" smtClean="0"/>
-              <a:t>2023/2/7</a:t>
+              <a:t>2023/2/9</a:t>
             </a:fld>
             <a:endParaRPr kumimoji="1" lang="zh-TW" altLang="en-US"/>
           </a:p>
@@ -1962,7 +1962,7 @@
           <a:p>
             <a:fld id="{E42DE7F3-F75A-6F42-895B-BB62B0C9BBBD}" type="datetimeFigureOut">
               <a:rPr kumimoji="1" lang="zh-TW" altLang="en-US" smtClean="0"/>
-              <a:t>2023/2/7</a:t>
+              <a:t>2023/2/9</a:t>
             </a:fld>
             <a:endParaRPr kumimoji="1" lang="zh-TW" altLang="en-US"/>
           </a:p>
@@ -2075,7 +2075,7 @@
           <a:p>
             <a:fld id="{E42DE7F3-F75A-6F42-895B-BB62B0C9BBBD}" type="datetimeFigureOut">
               <a:rPr kumimoji="1" lang="zh-TW" altLang="en-US" smtClean="0"/>
-              <a:t>2023/2/7</a:t>
+              <a:t>2023/2/9</a:t>
             </a:fld>
             <a:endParaRPr kumimoji="1" lang="zh-TW" altLang="en-US"/>
           </a:p>
@@ -2386,7 +2386,7 @@
           <a:p>
             <a:fld id="{E42DE7F3-F75A-6F42-895B-BB62B0C9BBBD}" type="datetimeFigureOut">
               <a:rPr kumimoji="1" lang="zh-TW" altLang="en-US" smtClean="0"/>
-              <a:t>2023/2/7</a:t>
+              <a:t>2023/2/9</a:t>
             </a:fld>
             <a:endParaRPr kumimoji="1" lang="zh-TW" altLang="en-US"/>
           </a:p>
@@ -2674,7 +2674,7 @@
           <a:p>
             <a:fld id="{E42DE7F3-F75A-6F42-895B-BB62B0C9BBBD}" type="datetimeFigureOut">
               <a:rPr kumimoji="1" lang="zh-TW" altLang="en-US" smtClean="0"/>
-              <a:t>2023/2/7</a:t>
+              <a:t>2023/2/9</a:t>
             </a:fld>
             <a:endParaRPr kumimoji="1" lang="zh-TW" altLang="en-US"/>
           </a:p>
@@ -2915,7 +2915,7 @@
           <a:p>
             <a:fld id="{E42DE7F3-F75A-6F42-895B-BB62B0C9BBBD}" type="datetimeFigureOut">
               <a:rPr kumimoji="1" lang="zh-TW" altLang="en-US" smtClean="0"/>
-              <a:t>2023/2/7</a:t>
+              <a:t>2023/2/9</a:t>
             </a:fld>
             <a:endParaRPr kumimoji="1" lang="zh-TW" altLang="en-US"/>
           </a:p>
@@ -3585,6 +3585,17 @@
               </a:rPr>
               <a:t>{WKMasterID}</a:t>
             </a:r>
+            <a:r>
+              <a:rPr lang="en-US" altLang="zh-TW" sz="1000" dirty="0">
+                <a:highlight>
+                  <a:srgbClr val="FFFF00"/>
+                </a:highlight>
+                <a:latin typeface="Consolas" panose="020B0609020204030204" pitchFamily="49" charset="0"/>
+                <a:ea typeface="BiauKai" panose="02010601000101010101" pitchFamily="2" charset="-120"/>
+                <a:cs typeface="Consolas" panose="020B0609020204030204" pitchFamily="49" charset="0"/>
+              </a:rPr>
+              <a:t/>
+            </a:r>
             <a:br>
               <a:rPr lang="en-US" altLang="zh-TW" sz="1000" dirty="0">
                 <a:highlight>
@@ -4389,6 +4400,17 @@
                 <a:hlinkClick r:id="rId3"/>
               </a:rPr>
               <a:t>{WKMasterID}</a:t>
+            </a:r>
+            <a:r>
+              <a:rPr lang="en-US" altLang="zh-TW" sz="1000" dirty="0">
+                <a:highlight>
+                  <a:srgbClr val="FFFF00"/>
+                </a:highlight>
+                <a:latin typeface="Consolas" panose="020B0609020204030204" pitchFamily="49" charset="0"/>
+                <a:ea typeface="BiauKai" panose="02010601000101010101" pitchFamily="2" charset="-120"/>
+                <a:cs typeface="Consolas" panose="020B0609020204030204" pitchFamily="49" charset="0"/>
+              </a:rPr>
+              <a:t/>
             </a:r>
             <a:br>
               <a:rPr lang="en-US" altLang="zh-TW" sz="1000" dirty="0">
@@ -5485,20 +5507,18 @@
           </a:p>
           <a:p>
             <a:r>
-              <a:rPr lang="zh-TW" altLang="en-US" sz="1000" dirty="0">
-                <a:latin typeface="Consolas" panose="020B0609020204030204" pitchFamily="49" charset="0"/>
-                <a:cs typeface="Consolas" panose="020B0609020204030204" pitchFamily="49" charset="0"/>
-              </a:rPr>
-              <a:t>      "InvMasterID": 1,</a:t>
-            </a:r>
-          </a:p>
-          <a:p>
-            <a:r>
-              <a:rPr lang="zh-TW" altLang="en-US" sz="1000" dirty="0">
-                <a:latin typeface="Consolas" panose="020B0609020204030204" pitchFamily="49" charset="0"/>
-                <a:cs typeface="Consolas" panose="020B0609020204030204" pitchFamily="49" charset="0"/>
-              </a:rPr>
-              <a:t>      "WKMasterID": 1,</a:t>
+              <a:rPr lang="zh-TW" altLang="en-US" sz="1000" dirty="0" smtClean="0">
+                <a:latin typeface="Consolas" panose="020B0609020204030204" pitchFamily="49" charset="0"/>
+                <a:cs typeface="Consolas" panose="020B0609020204030204" pitchFamily="49" charset="0"/>
+              </a:rPr>
+              <a:t>      "WKMasterID</a:t>
+            </a:r>
+            <a:r>
+              <a:rPr lang="zh-TW" altLang="en-US" sz="1000" dirty="0">
+                <a:latin typeface="Consolas" panose="020B0609020204030204" pitchFamily="49" charset="0"/>
+                <a:cs typeface="Consolas" panose="020B0609020204030204" pitchFamily="49" charset="0"/>
+              </a:rPr>
+              <a:t>": 1,</a:t>
             </a:r>
           </a:p>
           <a:p>
@@ -6652,13 +6672,7 @@
       </p:grpSpPr>
       <p:pic>
         <p:nvPicPr>
-          <p:cNvPr id="3" name="圖片 2">
-            <a:extLst>
-              <a:ext uri="{FF2B5EF4-FFF2-40B4-BE49-F238E27FC236}">
-                <a16:creationId xmlns:a16="http://schemas.microsoft.com/office/drawing/2014/main" id="{E6A447AA-B654-AF0D-DA8B-E14A9BEA9F60}"/>
-              </a:ext>
-            </a:extLst>
-          </p:cNvPr>
+          <p:cNvPr id="4" name="圖片 3"/>
           <p:cNvPicPr>
             <a:picLocks noChangeAspect="1"/>
           </p:cNvPicPr>
@@ -6672,8 +6686,8 @@
         </p:blipFill>
         <p:spPr>
           <a:xfrm>
-            <a:off x="1989202" y="1833118"/>
-            <a:ext cx="4341430" cy="2442055"/>
+            <a:off x="991200" y="1690688"/>
+            <a:ext cx="5374737" cy="2045736"/>
           </a:xfrm>
           <a:prstGeom prst="rect">
             <a:avLst/>
@@ -6725,13 +6739,18 @@
         </p:nvSpPr>
         <p:spPr>
           <a:xfrm>
-            <a:off x="354899" y="4757097"/>
-            <a:ext cx="11501822" cy="1223412"/>
+            <a:off x="400010" y="5220901"/>
+            <a:ext cx="11501822" cy="1384995"/>
           </a:xfrm>
           <a:prstGeom prst="rect">
             <a:avLst/>
           </a:prstGeom>
           <a:noFill/>
+          <a:ln>
+            <a:solidFill>
+              <a:srgbClr val="FF0000"/>
+            </a:solidFill>
+          </a:ln>
         </p:spPr>
         <p:txBody>
           <a:bodyPr wrap="square">
@@ -6825,8 +6844,29 @@
                 <a:ea typeface="BiauKai" panose="02010601000101010101" pitchFamily="2" charset="-120"/>
                 <a:cs typeface="Consolas" panose="020B0609020204030204" pitchFamily="49" charset="0"/>
               </a:rPr>
-              <a:t>=20230131</a:t>
-            </a:r>
+              <a:t>=</a:t>
+            </a:r>
+            <a:r>
+              <a:rPr lang="zh-TW" altLang="en-US" sz="1050" dirty="0" smtClean="0">
+                <a:latin typeface="Consolas" panose="020B0609020204030204" pitchFamily="49" charset="0"/>
+                <a:ea typeface="BiauKai" panose="02010601000101010101" pitchFamily="2" charset="-120"/>
+                <a:cs typeface="Consolas" panose="020B0609020204030204" pitchFamily="49" charset="0"/>
+              </a:rPr>
+              <a:t>20230131</a:t>
+            </a:r>
+            <a:r>
+              <a:rPr lang="en-US" altLang="zh-TW" sz="1050" dirty="0" smtClean="0">
+                <a:latin typeface="Consolas" panose="020B0609020204030204" pitchFamily="49" charset="0"/>
+                <a:ea typeface="BiauKai" panose="02010601000101010101" pitchFamily="2" charset="-120"/>
+                <a:cs typeface="Consolas" panose="020B0609020204030204" pitchFamily="49" charset="0"/>
+              </a:rPr>
+              <a:t>…</a:t>
+            </a:r>
+            <a:endParaRPr lang="zh-TW" altLang="en-US" sz="1050" dirty="0">
+              <a:latin typeface="Consolas" panose="020B0609020204030204" pitchFamily="49" charset="0"/>
+              <a:ea typeface="BiauKai" panose="02010601000101010101" pitchFamily="2" charset="-120"/>
+              <a:cs typeface="Consolas" panose="020B0609020204030204" pitchFamily="49" charset="0"/>
+            </a:endParaRPr>
           </a:p>
           <a:p>
             <a:endParaRPr lang="en-US" altLang="zh-TW" sz="1050" dirty="0">
@@ -6936,346 +6976,6 @@
               <a:latin typeface="Consolas" panose="020B0609020204030204" pitchFamily="49" charset="0"/>
               <a:ea typeface="BiauKai" panose="02010601000101010101" pitchFamily="2" charset="-120"/>
               <a:cs typeface="Consolas" panose="020B0609020204030204" pitchFamily="49" charset="0"/>
-            </a:endParaRPr>
-          </a:p>
-        </p:txBody>
-      </p:sp>
-      <p:sp>
-        <p:nvSpPr>
-          <p:cNvPr id="15" name="文字方塊 14">
-            <a:extLst>
-              <a:ext uri="{FF2B5EF4-FFF2-40B4-BE49-F238E27FC236}">
-                <a16:creationId xmlns:a16="http://schemas.microsoft.com/office/drawing/2014/main" id="{E9ABCB64-19FC-46F1-9EBB-8172877C4732}"/>
-              </a:ext>
-            </a:extLst>
-          </p:cNvPr>
-          <p:cNvSpPr txBox="1"/>
-          <p:nvPr/>
-        </p:nvSpPr>
-        <p:spPr>
-          <a:xfrm>
-            <a:off x="5980386" y="1566441"/>
-            <a:ext cx="3109329" cy="2492990"/>
-          </a:xfrm>
-          <a:prstGeom prst="rect">
-            <a:avLst/>
-          </a:prstGeom>
-          <a:noFill/>
-        </p:spPr>
-        <p:txBody>
-          <a:bodyPr wrap="square">
-            <a:spAutoFit/>
-          </a:bodyPr>
-          <a:lstStyle/>
-          <a:p>
-            <a:r>
-              <a:rPr lang="zh-TW" altLang="en-US" sz="1200" b="1" dirty="0">
-                <a:latin typeface="Consolas" panose="020B0609020204030204" pitchFamily="49" charset="0"/>
-                <a:ea typeface="標楷體" panose="03000509000000000000" pitchFamily="65" charset="-120"/>
-              </a:rPr>
-              <a:t>查詢條件</a:t>
-            </a:r>
-          </a:p>
-          <a:p>
-            <a:r>
-              <a:rPr lang="en-US" altLang="zh-TW" sz="1200" dirty="0">
-                <a:latin typeface="Consolas" panose="020B0609020204030204" pitchFamily="49" charset="0"/>
-                <a:ea typeface="標楷體" panose="03000509000000000000" pitchFamily="65" charset="-120"/>
-              </a:rPr>
-              <a:t> </a:t>
-            </a:r>
-            <a:r>
-              <a:rPr lang="zh-TW" altLang="en-US" sz="1200" dirty="0">
-                <a:latin typeface="Consolas" panose="020B0609020204030204" pitchFamily="49" charset="0"/>
-                <a:ea typeface="標楷體" panose="03000509000000000000" pitchFamily="65" charset="-120"/>
-              </a:rPr>
-              <a:t>1. SupplierName</a:t>
-            </a:r>
-          </a:p>
-          <a:p>
-            <a:r>
-              <a:rPr lang="en-US" altLang="zh-TW" sz="1200" dirty="0">
-                <a:latin typeface="Consolas" panose="020B0609020204030204" pitchFamily="49" charset="0"/>
-                <a:ea typeface="標楷體" panose="03000509000000000000" pitchFamily="65" charset="-120"/>
-              </a:rPr>
-              <a:t> </a:t>
-            </a:r>
-            <a:r>
-              <a:rPr lang="zh-TW" altLang="en-US" sz="1200" dirty="0">
-                <a:latin typeface="Consolas" panose="020B0609020204030204" pitchFamily="49" charset="0"/>
-                <a:ea typeface="標楷體" panose="03000509000000000000" pitchFamily="65" charset="-120"/>
-              </a:rPr>
-              <a:t>2. SubmarineCable</a:t>
-            </a:r>
-          </a:p>
-          <a:p>
-            <a:r>
-              <a:rPr lang="en-US" altLang="zh-TW" sz="1200" dirty="0">
-                <a:latin typeface="Consolas" panose="020B0609020204030204" pitchFamily="49" charset="0"/>
-                <a:ea typeface="標楷體" panose="03000509000000000000" pitchFamily="65" charset="-120"/>
-              </a:rPr>
-              <a:t> </a:t>
-            </a:r>
-            <a:r>
-              <a:rPr lang="zh-TW" altLang="en-US" sz="1200" dirty="0">
-                <a:latin typeface="Consolas" panose="020B0609020204030204" pitchFamily="49" charset="0"/>
-                <a:ea typeface="標楷體" panose="03000509000000000000" pitchFamily="65" charset="-120"/>
-              </a:rPr>
-              <a:t>3. ContractType</a:t>
-            </a:r>
-            <a:endParaRPr lang="en-US" altLang="zh-TW" sz="1200" dirty="0">
-              <a:latin typeface="Consolas" panose="020B0609020204030204" pitchFamily="49" charset="0"/>
-              <a:ea typeface="標楷體" panose="03000509000000000000" pitchFamily="65" charset="-120"/>
-            </a:endParaRPr>
-          </a:p>
-          <a:p>
-            <a:r>
-              <a:rPr lang="en-US" altLang="zh-TW" sz="1200" dirty="0">
-                <a:latin typeface="Consolas" panose="020B0609020204030204" pitchFamily="49" charset="0"/>
-                <a:ea typeface="標楷體" panose="03000509000000000000" pitchFamily="65" charset="-120"/>
-              </a:rPr>
-              <a:t> 4. </a:t>
-            </a:r>
-            <a:r>
-              <a:rPr lang="en-US" altLang="zh-TW" sz="1200" dirty="0" err="1">
-                <a:latin typeface="Consolas" panose="020B0609020204030204" pitchFamily="49" charset="0"/>
-                <a:ea typeface="標楷體" panose="03000509000000000000" pitchFamily="65" charset="-120"/>
-              </a:rPr>
-              <a:t>BillMilestone</a:t>
-            </a:r>
-            <a:endParaRPr lang="zh-TW" altLang="en-US" sz="1200" dirty="0">
-              <a:latin typeface="Consolas" panose="020B0609020204030204" pitchFamily="49" charset="0"/>
-              <a:ea typeface="標楷體" panose="03000509000000000000" pitchFamily="65" charset="-120"/>
-            </a:endParaRPr>
-          </a:p>
-          <a:p>
-            <a:r>
-              <a:rPr lang="en-US" altLang="zh-TW" sz="1200" dirty="0">
-                <a:solidFill>
-                  <a:srgbClr val="0070C0"/>
-                </a:solidFill>
-                <a:latin typeface="Consolas" panose="020B0609020204030204" pitchFamily="49" charset="0"/>
-                <a:ea typeface="標楷體" panose="03000509000000000000" pitchFamily="65" charset="-120"/>
-              </a:rPr>
-              <a:t> 5</a:t>
-            </a:r>
-            <a:r>
-              <a:rPr lang="zh-TW" altLang="en-US" sz="1200" dirty="0">
-                <a:solidFill>
-                  <a:srgbClr val="0070C0"/>
-                </a:solidFill>
-                <a:latin typeface="Consolas" panose="020B0609020204030204" pitchFamily="49" charset="0"/>
-                <a:ea typeface="標楷體" panose="03000509000000000000" pitchFamily="65" charset="-120"/>
-              </a:rPr>
-              <a:t>. IssueDate</a:t>
-            </a:r>
-          </a:p>
-          <a:p>
-            <a:r>
-              <a:rPr lang="en-US" altLang="zh-TW" sz="1200" dirty="0">
-                <a:solidFill>
-                  <a:srgbClr val="0070C0"/>
-                </a:solidFill>
-                <a:latin typeface="Consolas" panose="020B0609020204030204" pitchFamily="49" charset="0"/>
-                <a:ea typeface="標楷體" panose="03000509000000000000" pitchFamily="65" charset="-120"/>
-              </a:rPr>
-              <a:t> 6</a:t>
-            </a:r>
-            <a:r>
-              <a:rPr lang="zh-TW" altLang="en-US" sz="1200" dirty="0">
-                <a:solidFill>
-                  <a:srgbClr val="0070C0"/>
-                </a:solidFill>
-                <a:latin typeface="Consolas" panose="020B0609020204030204" pitchFamily="49" charset="0"/>
-                <a:ea typeface="標楷體" panose="03000509000000000000" pitchFamily="65" charset="-120"/>
-              </a:rPr>
-              <a:t>. DueDate</a:t>
-            </a:r>
-          </a:p>
-          <a:p>
-            <a:r>
-              <a:rPr lang="en-US" altLang="zh-TW" sz="1200" dirty="0">
-                <a:solidFill>
-                  <a:srgbClr val="0070C0"/>
-                </a:solidFill>
-                <a:latin typeface="Consolas" panose="020B0609020204030204" pitchFamily="49" charset="0"/>
-                <a:ea typeface="標楷體" panose="03000509000000000000" pitchFamily="65" charset="-120"/>
-              </a:rPr>
-              <a:t> 7</a:t>
-            </a:r>
-            <a:r>
-              <a:rPr lang="zh-TW" altLang="en-US" sz="1200" dirty="0">
-                <a:solidFill>
-                  <a:srgbClr val="0070C0"/>
-                </a:solidFill>
-                <a:latin typeface="Consolas" panose="020B0609020204030204" pitchFamily="49" charset="0"/>
-                <a:ea typeface="標楷體" panose="03000509000000000000" pitchFamily="65" charset="-120"/>
-              </a:rPr>
-              <a:t>. CreateDate</a:t>
-            </a:r>
-          </a:p>
-          <a:p>
-            <a:r>
-              <a:rPr lang="en-US" altLang="zh-TW" sz="1200" dirty="0">
-                <a:solidFill>
-                  <a:srgbClr val="00B050"/>
-                </a:solidFill>
-                <a:latin typeface="Consolas" panose="020B0609020204030204" pitchFamily="49" charset="0"/>
-                <a:ea typeface="標楷體" panose="03000509000000000000" pitchFamily="65" charset="-120"/>
-              </a:rPr>
-              <a:t> 8</a:t>
-            </a:r>
-            <a:r>
-              <a:rPr lang="zh-TW" altLang="en-US" sz="1200" dirty="0">
-                <a:solidFill>
-                  <a:srgbClr val="00B050"/>
-                </a:solidFill>
-                <a:latin typeface="Consolas" panose="020B0609020204030204" pitchFamily="49" charset="0"/>
-                <a:ea typeface="標楷體" panose="03000509000000000000" pitchFamily="65" charset="-120"/>
-              </a:rPr>
-              <a:t>. IsLiability</a:t>
-            </a:r>
-          </a:p>
-          <a:p>
-            <a:r>
-              <a:rPr lang="en-US" altLang="zh-TW" sz="1200" dirty="0">
-                <a:solidFill>
-                  <a:srgbClr val="00B050"/>
-                </a:solidFill>
-                <a:latin typeface="Consolas" panose="020B0609020204030204" pitchFamily="49" charset="0"/>
-                <a:ea typeface="標楷體" panose="03000509000000000000" pitchFamily="65" charset="-120"/>
-              </a:rPr>
-              <a:t> 9</a:t>
-            </a:r>
-            <a:r>
-              <a:rPr lang="zh-TW" altLang="en-US" sz="1200" dirty="0">
-                <a:solidFill>
-                  <a:srgbClr val="00B050"/>
-                </a:solidFill>
-                <a:latin typeface="Consolas" panose="020B0609020204030204" pitchFamily="49" charset="0"/>
-                <a:ea typeface="標楷體" panose="03000509000000000000" pitchFamily="65" charset="-120"/>
-              </a:rPr>
-              <a:t>. PartyName --&gt; 無Liability才能填</a:t>
-            </a:r>
-          </a:p>
-          <a:p>
-            <a:r>
-              <a:rPr lang="en-US" altLang="zh-TW" sz="1200" dirty="0">
-                <a:solidFill>
-                  <a:srgbClr val="7030A0"/>
-                </a:solidFill>
-                <a:latin typeface="Consolas" panose="020B0609020204030204" pitchFamily="49" charset="0"/>
-                <a:ea typeface="標楷體" panose="03000509000000000000" pitchFamily="65" charset="-120"/>
-              </a:rPr>
-              <a:t>10</a:t>
-            </a:r>
-            <a:r>
-              <a:rPr lang="zh-TW" altLang="en-US" sz="1200" dirty="0">
-                <a:solidFill>
-                  <a:srgbClr val="7030A0"/>
-                </a:solidFill>
-                <a:latin typeface="Consolas" panose="020B0609020204030204" pitchFamily="49" charset="0"/>
-                <a:ea typeface="標楷體" panose="03000509000000000000" pitchFamily="65" charset="-120"/>
-              </a:rPr>
-              <a:t>. Status:</a:t>
-            </a:r>
-          </a:p>
-          <a:p>
-            <a:r>
-              <a:rPr lang="zh-TW" altLang="en-US" sz="1200" dirty="0">
-                <a:solidFill>
-                  <a:srgbClr val="7030A0"/>
-                </a:solidFill>
-                <a:latin typeface="Consolas" panose="020B0609020204030204" pitchFamily="49" charset="0"/>
-                <a:ea typeface="標楷體" panose="03000509000000000000" pitchFamily="65" charset="-120"/>
-              </a:rPr>
-              <a:t>   a. VALIDATED</a:t>
-            </a:r>
-            <a:r>
-              <a:rPr lang="en-US" altLang="zh-TW" sz="1200" dirty="0">
-                <a:solidFill>
-                  <a:srgbClr val="7030A0"/>
-                </a:solidFill>
-                <a:latin typeface="Consolas" panose="020B0609020204030204" pitchFamily="49" charset="0"/>
-                <a:ea typeface="標楷體" panose="03000509000000000000" pitchFamily="65" charset="-120"/>
-              </a:rPr>
-              <a:t>(</a:t>
-            </a:r>
-            <a:r>
-              <a:rPr lang="zh-TW" altLang="en-US" sz="1200" dirty="0">
-                <a:solidFill>
-                  <a:srgbClr val="7030A0"/>
-                </a:solidFill>
-                <a:latin typeface="Consolas" panose="020B0609020204030204" pitchFamily="49" charset="0"/>
-                <a:ea typeface="標楷體" panose="03000509000000000000" pitchFamily="65" charset="-120"/>
-              </a:rPr>
-              <a:t>尚未立帳</a:t>
-            </a:r>
-            <a:r>
-              <a:rPr lang="en-US" altLang="zh-TW" sz="1200" dirty="0">
-                <a:solidFill>
-                  <a:srgbClr val="7030A0"/>
-                </a:solidFill>
-                <a:latin typeface="Consolas" panose="020B0609020204030204" pitchFamily="49" charset="0"/>
-                <a:ea typeface="標楷體" panose="03000509000000000000" pitchFamily="65" charset="-120"/>
-              </a:rPr>
-              <a:t>)</a:t>
-            </a:r>
-            <a:endParaRPr lang="zh-TW" altLang="en-US" sz="1200" dirty="0">
-              <a:solidFill>
-                <a:srgbClr val="7030A0"/>
-              </a:solidFill>
-              <a:latin typeface="Consolas" panose="020B0609020204030204" pitchFamily="49" charset="0"/>
-              <a:ea typeface="標楷體" panose="03000509000000000000" pitchFamily="65" charset="-120"/>
-            </a:endParaRPr>
-          </a:p>
-          <a:p>
-            <a:r>
-              <a:rPr lang="zh-TW" altLang="en-US" sz="1200" dirty="0">
-                <a:solidFill>
-                  <a:srgbClr val="7030A0"/>
-                </a:solidFill>
-                <a:latin typeface="Consolas" panose="020B0609020204030204" pitchFamily="49" charset="0"/>
-                <a:ea typeface="標楷體" panose="03000509000000000000" pitchFamily="65" charset="-120"/>
-              </a:rPr>
-              <a:t>   b. </a:t>
-            </a:r>
-            <a:r>
-              <a:rPr lang="en-US" altLang="zh-TW" sz="1200" dirty="0">
-                <a:solidFill>
-                  <a:srgbClr val="7030A0"/>
-                </a:solidFill>
-                <a:latin typeface="Consolas" panose="020B0609020204030204" pitchFamily="49" charset="0"/>
-                <a:ea typeface="標楷體" panose="03000509000000000000" pitchFamily="65" charset="-120"/>
-              </a:rPr>
-              <a:t>BILLED(</a:t>
-            </a:r>
-            <a:r>
-              <a:rPr lang="zh-TW" altLang="en-US" sz="1200" dirty="0">
-                <a:solidFill>
-                  <a:srgbClr val="7030A0"/>
-                </a:solidFill>
-                <a:latin typeface="Consolas" panose="020B0609020204030204" pitchFamily="49" charset="0"/>
-                <a:ea typeface="標楷體" panose="03000509000000000000" pitchFamily="65" charset="-120"/>
-              </a:rPr>
-              <a:t>已立帳</a:t>
-            </a:r>
-            <a:r>
-              <a:rPr lang="en-US" altLang="zh-TW" sz="1200" dirty="0">
-                <a:solidFill>
-                  <a:srgbClr val="7030A0"/>
-                </a:solidFill>
-                <a:latin typeface="Consolas" panose="020B0609020204030204" pitchFamily="49" charset="0"/>
-                <a:ea typeface="標楷體" panose="03000509000000000000" pitchFamily="65" charset="-120"/>
-              </a:rPr>
-              <a:t>)</a:t>
-            </a:r>
-            <a:endParaRPr lang="zh-TW" altLang="en-US" sz="1200" dirty="0">
-              <a:solidFill>
-                <a:srgbClr val="7030A0"/>
-              </a:solidFill>
-              <a:latin typeface="Consolas" panose="020B0609020204030204" pitchFamily="49" charset="0"/>
-              <a:ea typeface="標楷體" panose="03000509000000000000" pitchFamily="65" charset="-120"/>
             </a:endParaRPr>
           </a:p>
         </p:txBody>
@@ -7301,6 +7001,11 @@
             <a:avLst/>
           </a:prstGeom>
           <a:noFill/>
+          <a:ln>
+            <a:solidFill>
+              <a:srgbClr val="FF0000"/>
+            </a:solidFill>
+          </a:ln>
         </p:spPr>
         <p:txBody>
           <a:bodyPr wrap="square">
@@ -7717,26 +7422,24 @@
       </p:sp>
       <p:sp>
         <p:nvSpPr>
-          <p:cNvPr id="17" name="矩形 16">
-            <a:extLst>
-              <a:ext uri="{FF2B5EF4-FFF2-40B4-BE49-F238E27FC236}">
-                <a16:creationId xmlns:a16="http://schemas.microsoft.com/office/drawing/2014/main" id="{F662F544-063D-449C-82CD-B341C30EEBBE}"/>
-              </a:ext>
-            </a:extLst>
-          </p:cNvPr>
+          <p:cNvPr id="3" name="矩形 2"/>
           <p:cNvSpPr/>
           <p:nvPr/>
         </p:nvSpPr>
         <p:spPr>
           <a:xfrm>
-            <a:off x="1800808" y="2767012"/>
-            <a:ext cx="3275046" cy="116148"/>
+            <a:off x="1585913" y="2162175"/>
+            <a:ext cx="864394" cy="176213"/>
           </a:xfrm>
           <a:prstGeom prst="rect">
             <a:avLst/>
           </a:prstGeom>
           <a:noFill/>
-          <a:ln w="3810"/>
+          <a:ln>
+            <a:solidFill>
+              <a:srgbClr val="FF0000"/>
+            </a:solidFill>
+          </a:ln>
         </p:spPr>
         <p:style>
           <a:lnRef idx="2">
@@ -7763,33 +7466,87 @@
           </a:p>
         </p:txBody>
       </p:sp>
+      <p:sp>
+        <p:nvSpPr>
+          <p:cNvPr id="5" name="矩形 4"/>
+          <p:cNvSpPr/>
+          <p:nvPr/>
+        </p:nvSpPr>
+        <p:spPr>
+          <a:xfrm>
+            <a:off x="2742918" y="1516360"/>
+            <a:ext cx="4244622" cy="461665"/>
+          </a:xfrm>
+          <a:prstGeom prst="rect">
+            <a:avLst/>
+          </a:prstGeom>
+          <a:ln>
+            <a:solidFill>
+              <a:srgbClr val="FF0000"/>
+            </a:solidFill>
+          </a:ln>
+        </p:spPr>
+        <p:txBody>
+          <a:bodyPr wrap="square">
+            <a:spAutoFit/>
+          </a:bodyPr>
+          <a:lstStyle/>
+          <a:p>
+            <a:r>
+              <a:rPr lang="zh-TW" altLang="en-US" sz="1200" dirty="0">
+                <a:latin typeface="Consolas" panose="020B0609020204030204" pitchFamily="49" charset="0"/>
+              </a:rPr>
+              <a:t>Method: GET</a:t>
+            </a:r>
+          </a:p>
+          <a:p>
+            <a:r>
+              <a:rPr lang="zh-TW" altLang="en-US" sz="1200" dirty="0">
+                <a:latin typeface="Consolas" panose="020B0609020204030204" pitchFamily="49" charset="0"/>
+              </a:rPr>
+              <a:t>URL: </a:t>
+            </a:r>
+            <a:r>
+              <a:rPr lang="zh-TW" altLang="en-US" sz="1200" dirty="0">
+                <a:latin typeface="Consolas" panose="020B0609020204030204" pitchFamily="49" charset="0"/>
+                <a:hlinkClick r:id="rId3"/>
+              </a:rPr>
+              <a:t>http://127.0.0.1:8000/api/v1/Suppliers/al</a:t>
+            </a:r>
+            <a:r>
+              <a:rPr lang="zh-TW" altLang="en-US" sz="1200" dirty="0" smtClean="0">
+                <a:latin typeface="Consolas" panose="020B0609020204030204" pitchFamily="49" charset="0"/>
+                <a:hlinkClick r:id="rId3"/>
+              </a:rPr>
+              <a:t>l</a:t>
+            </a:r>
+            <a:endParaRPr lang="en-US" altLang="zh-TW" sz="1200" dirty="0" smtClean="0">
+              <a:latin typeface="Consolas" panose="020B0609020204030204" pitchFamily="49" charset="0"/>
+            </a:endParaRPr>
+          </a:p>
+        </p:txBody>
+      </p:sp>
       <p:cxnSp>
         <p:nvCxnSpPr>
-          <p:cNvPr id="22" name="接點: 肘形 21">
-            <a:extLst>
-              <a:ext uri="{FF2B5EF4-FFF2-40B4-BE49-F238E27FC236}">
-                <a16:creationId xmlns:a16="http://schemas.microsoft.com/office/drawing/2014/main" id="{E6FC99CD-09E8-4697-A1B9-6B0573744D8A}"/>
-              </a:ext>
-            </a:extLst>
-          </p:cNvPr>
+          <p:cNvPr id="8" name="肘形接點 7"/>
           <p:cNvCxnSpPr>
-            <a:cxnSpLocks/>
-            <a:stCxn id="17" idx="2"/>
-            <a:endCxn id="12" idx="2"/>
+            <a:stCxn id="3" idx="0"/>
+            <a:endCxn id="5" idx="1"/>
           </p:cNvCxnSpPr>
           <p:nvPr/>
         </p:nvCxnSpPr>
         <p:spPr>
-          <a:xfrm rot="16200000" flipH="1">
-            <a:off x="6282735" y="38756"/>
-            <a:ext cx="1434841" cy="7123648"/>
+          <a:xfrm rot="5400000" flipH="1" flipV="1">
+            <a:off x="2173023" y="1592280"/>
+            <a:ext cx="414982" cy="724808"/>
           </a:xfrm>
-          <a:prstGeom prst="bentConnector3">
-            <a:avLst>
-              <a:gd name="adj1" fmla="val 115932"/>
-            </a:avLst>
+          <a:prstGeom prst="bentConnector2">
+            <a:avLst/>
           </a:prstGeom>
           <a:ln>
+            <a:solidFill>
+              <a:srgbClr val="FF0000"/>
+            </a:solidFill>
             <a:tailEnd type="triangle"/>
           </a:ln>
         </p:spPr>
@@ -7810,26 +7567,24 @@
       </p:cxnSp>
       <p:sp>
         <p:nvSpPr>
-          <p:cNvPr id="19" name="矩形 18">
-            <a:extLst>
-              <a:ext uri="{FF2B5EF4-FFF2-40B4-BE49-F238E27FC236}">
-                <a16:creationId xmlns:a16="http://schemas.microsoft.com/office/drawing/2014/main" id="{614B74E8-462D-DD6C-8F18-D75E6BFA8B72}"/>
-              </a:ext>
-            </a:extLst>
-          </p:cNvPr>
+          <p:cNvPr id="14" name="矩形 13"/>
           <p:cNvSpPr/>
           <p:nvPr/>
         </p:nvSpPr>
         <p:spPr>
           <a:xfrm>
-            <a:off x="1800808" y="2034568"/>
-            <a:ext cx="3411272" cy="293348"/>
+            <a:off x="2533649" y="2152353"/>
+            <a:ext cx="1204913" cy="176213"/>
           </a:xfrm>
           <a:prstGeom prst="rect">
             <a:avLst/>
           </a:prstGeom>
           <a:noFill/>
-          <a:ln w="3810"/>
+          <a:ln>
+            <a:solidFill>
+              <a:srgbClr val="FF0000"/>
+            </a:solidFill>
+          </a:ln>
         </p:spPr>
         <p:style>
           <a:lnRef idx="2">
@@ -7858,26 +7613,192 @@
       </p:sp>
       <p:sp>
         <p:nvSpPr>
-          <p:cNvPr id="20" name="矩形 19">
-            <a:extLst>
-              <a:ext uri="{FF2B5EF4-FFF2-40B4-BE49-F238E27FC236}">
-                <a16:creationId xmlns:a16="http://schemas.microsoft.com/office/drawing/2014/main" id="{CC5380EA-AB39-A378-11CB-635160A263A3}"/>
-              </a:ext>
-            </a:extLst>
-          </p:cNvPr>
+          <p:cNvPr id="9" name="矩形 8"/>
           <p:cNvSpPr/>
           <p:nvPr/>
         </p:nvSpPr>
         <p:spPr>
           <a:xfrm>
-            <a:off x="5907567" y="1562636"/>
-            <a:ext cx="3109329" cy="2492989"/>
+            <a:off x="1129650" y="3357954"/>
+            <a:ext cx="4714875" cy="461665"/>
+          </a:xfrm>
+          <a:prstGeom prst="rect">
+            <a:avLst/>
+          </a:prstGeom>
+          <a:ln>
+            <a:solidFill>
+              <a:srgbClr val="FF0000"/>
+            </a:solidFill>
+          </a:ln>
+        </p:spPr>
+        <p:txBody>
+          <a:bodyPr wrap="square">
+            <a:spAutoFit/>
+          </a:bodyPr>
+          <a:lstStyle/>
+          <a:p>
+            <a:r>
+              <a:rPr lang="zh-TW" altLang="en-US" sz="1200" dirty="0">
+                <a:latin typeface="Consolas" panose="020B0609020204030204" pitchFamily="49" charset="0"/>
+              </a:rPr>
+              <a:t>Method: GET</a:t>
+            </a:r>
+          </a:p>
+          <a:p>
+            <a:r>
+              <a:rPr lang="zh-TW" altLang="en-US" sz="1200" dirty="0">
+                <a:latin typeface="Consolas" panose="020B0609020204030204" pitchFamily="49" charset="0"/>
+              </a:rPr>
+              <a:t>URL: </a:t>
+            </a:r>
+            <a:r>
+              <a:rPr lang="zh-TW" altLang="en-US" sz="1200" dirty="0">
+                <a:latin typeface="Consolas" panose="020B0609020204030204" pitchFamily="49" charset="0"/>
+                <a:hlinkClick r:id="rId4"/>
+              </a:rPr>
+              <a:t>http://127.0.0.1:8000/api/v1/SubmarineCables/a</a:t>
+            </a:r>
+            <a:r>
+              <a:rPr lang="zh-TW" altLang="en-US" sz="1200" dirty="0" smtClean="0">
+                <a:latin typeface="Consolas" panose="020B0609020204030204" pitchFamily="49" charset="0"/>
+                <a:hlinkClick r:id="rId4"/>
+              </a:rPr>
+              <a:t>l</a:t>
+            </a:r>
+            <a:r>
+              <a:rPr lang="en-US" altLang="zh-TW" sz="1200" dirty="0" smtClean="0">
+                <a:latin typeface="Consolas" panose="020B0609020204030204" pitchFamily="49" charset="0"/>
+                <a:hlinkClick r:id="rId4"/>
+              </a:rPr>
+              <a:t>l</a:t>
+            </a:r>
+            <a:endParaRPr lang="en-US" altLang="zh-TW" sz="1200" dirty="0" smtClean="0">
+              <a:latin typeface="Consolas" panose="020B0609020204030204" pitchFamily="49" charset="0"/>
+            </a:endParaRPr>
+          </a:p>
+        </p:txBody>
+      </p:sp>
+      <p:cxnSp>
+        <p:nvCxnSpPr>
+          <p:cNvPr id="11" name="肘形接點 10"/>
+          <p:cNvCxnSpPr>
+            <a:stCxn id="14" idx="3"/>
+            <a:endCxn id="9" idx="3"/>
+          </p:cNvCxnSpPr>
+          <p:nvPr/>
+        </p:nvCxnSpPr>
+        <p:spPr>
+          <a:xfrm>
+            <a:off x="3738562" y="2240460"/>
+            <a:ext cx="2105963" cy="1348327"/>
+          </a:xfrm>
+          <a:prstGeom prst="bentConnector3">
+            <a:avLst>
+              <a:gd name="adj1" fmla="val 126233"/>
+            </a:avLst>
+          </a:prstGeom>
+          <a:ln>
+            <a:solidFill>
+              <a:srgbClr val="FF0000"/>
+            </a:solidFill>
+            <a:tailEnd type="triangle"/>
+          </a:ln>
+        </p:spPr>
+        <p:style>
+          <a:lnRef idx="1">
+            <a:schemeClr val="accent1"/>
+          </a:lnRef>
+          <a:fillRef idx="0">
+            <a:schemeClr val="accent1"/>
+          </a:fillRef>
+          <a:effectRef idx="0">
+            <a:schemeClr val="accent1"/>
+          </a:effectRef>
+          <a:fontRef idx="minor">
+            <a:schemeClr val="tx1"/>
+          </a:fontRef>
+        </p:style>
+      </p:cxnSp>
+      <p:sp>
+        <p:nvSpPr>
+          <p:cNvPr id="21" name="矩形 20"/>
+          <p:cNvSpPr/>
+          <p:nvPr/>
+        </p:nvSpPr>
+        <p:spPr>
+          <a:xfrm>
+            <a:off x="1102055" y="3995832"/>
+            <a:ext cx="5153025" cy="461665"/>
+          </a:xfrm>
+          <a:prstGeom prst="rect">
+            <a:avLst/>
+          </a:prstGeom>
+          <a:ln>
+            <a:solidFill>
+              <a:srgbClr val="FF0000"/>
+            </a:solidFill>
+          </a:ln>
+        </p:spPr>
+        <p:txBody>
+          <a:bodyPr wrap="square">
+            <a:spAutoFit/>
+          </a:bodyPr>
+          <a:lstStyle/>
+          <a:p>
+            <a:r>
+              <a:rPr lang="zh-TW" altLang="en-US" sz="1200" dirty="0">
+                <a:latin typeface="Consolas" panose="020B0609020204030204" pitchFamily="49" charset="0"/>
+              </a:rPr>
+              <a:t>Method: GET</a:t>
+            </a:r>
+          </a:p>
+          <a:p>
+            <a:r>
+              <a:rPr lang="zh-TW" altLang="en-US" sz="1200" dirty="0">
+                <a:latin typeface="Consolas" panose="020B0609020204030204" pitchFamily="49" charset="0"/>
+              </a:rPr>
+              <a:t>URL: </a:t>
+            </a:r>
+            <a:r>
+              <a:rPr lang="zh-TW" altLang="en-US" sz="1200" dirty="0">
+                <a:latin typeface="Consolas" panose="020B0609020204030204" pitchFamily="49" charset="0"/>
+                <a:hlinkClick r:id="rId5"/>
+              </a:rPr>
+              <a:t>http://127.0.0.1:8000/api/v1/dropdownmenuBillMileston</a:t>
+            </a:r>
+            <a:r>
+              <a:rPr lang="zh-TW" altLang="en-US" sz="1200" dirty="0" smtClean="0">
+                <a:latin typeface="Consolas" panose="020B0609020204030204" pitchFamily="49" charset="0"/>
+                <a:hlinkClick r:id="rId5"/>
+              </a:rPr>
+              <a:t>e</a:t>
+            </a:r>
+            <a:endParaRPr lang="en-US" altLang="zh-TW" sz="1200" dirty="0" smtClean="0">
+              <a:latin typeface="Consolas" panose="020B0609020204030204" pitchFamily="49" charset="0"/>
+            </a:endParaRPr>
+          </a:p>
+        </p:txBody>
+      </p:sp>
+      <p:sp>
+        <p:nvSpPr>
+          <p:cNvPr id="22" name="矩形 21"/>
+          <p:cNvSpPr/>
+          <p:nvPr/>
+        </p:nvSpPr>
+        <p:spPr>
+          <a:xfrm>
+            <a:off x="2533649" y="2326681"/>
+            <a:ext cx="1204913" cy="176213"/>
           </a:xfrm>
           <a:prstGeom prst="rect">
             <a:avLst/>
           </a:prstGeom>
           <a:noFill/>
-          <a:ln w="3810"/>
+          <a:ln>
+            <a:solidFill>
+              <a:srgbClr val="FF0000"/>
+            </a:solidFill>
+          </a:ln>
         </p:spPr>
         <p:style>
           <a:lnRef idx="2">
@@ -7906,29 +7827,151 @@
       </p:sp>
       <p:cxnSp>
         <p:nvCxnSpPr>
-          <p:cNvPr id="23" name="曲線接點 22">
-            <a:extLst>
-              <a:ext uri="{FF2B5EF4-FFF2-40B4-BE49-F238E27FC236}">
-                <a16:creationId xmlns:a16="http://schemas.microsoft.com/office/drawing/2014/main" id="{AAD8747F-809F-12D8-BDF0-9C8F720FA459}"/>
-              </a:ext>
-            </a:extLst>
-          </p:cNvPr>
+          <p:cNvPr id="26" name="肘形接點 25"/>
           <p:cNvCxnSpPr>
-            <a:endCxn id="20" idx="1"/>
+            <a:stCxn id="22" idx="1"/>
+            <a:endCxn id="21" idx="1"/>
           </p:cNvCxnSpPr>
           <p:nvPr/>
         </p:nvCxnSpPr>
         <p:spPr>
+          <a:xfrm rot="10800000" flipV="1">
+            <a:off x="1102055" y="2414787"/>
+            <a:ext cx="1431594" cy="1811877"/>
+          </a:xfrm>
+          <a:prstGeom prst="bentConnector3">
+            <a:avLst>
+              <a:gd name="adj1" fmla="val 115968"/>
+            </a:avLst>
+          </a:prstGeom>
+          <a:ln>
+            <a:solidFill>
+              <a:srgbClr val="FF0000"/>
+            </a:solidFill>
+            <a:tailEnd type="triangle"/>
+          </a:ln>
+        </p:spPr>
+        <p:style>
+          <a:lnRef idx="1">
+            <a:schemeClr val="accent1"/>
+          </a:lnRef>
+          <a:fillRef idx="0">
+            <a:schemeClr val="accent1"/>
+          </a:fillRef>
+          <a:effectRef idx="0">
+            <a:schemeClr val="accent1"/>
+          </a:effectRef>
+          <a:fontRef idx="minor">
+            <a:schemeClr val="tx1"/>
+          </a:fontRef>
+        </p:style>
+      </p:cxnSp>
+      <p:sp>
+        <p:nvSpPr>
+          <p:cNvPr id="27" name="矩形 26"/>
+          <p:cNvSpPr/>
+          <p:nvPr/>
+        </p:nvSpPr>
+        <p:spPr>
           <a:xfrm>
-            <a:off x="5212080" y="2164080"/>
-            <a:ext cx="695487" cy="645051"/>
+            <a:off x="5784056" y="2502894"/>
+            <a:ext cx="213469" cy="130961"/>
           </a:xfrm>
-          <a:prstGeom prst="curvedConnector3">
+          <a:prstGeom prst="rect">
+            <a:avLst/>
+          </a:prstGeom>
+          <a:noFill/>
+          <a:ln>
+            <a:solidFill>
+              <a:srgbClr val="FF0000"/>
+            </a:solidFill>
+          </a:ln>
+        </p:spPr>
+        <p:style>
+          <a:lnRef idx="2">
+            <a:schemeClr val="accent1">
+              <a:shade val="50000"/>
+            </a:schemeClr>
+          </a:lnRef>
+          <a:fillRef idx="1">
+            <a:schemeClr val="accent1"/>
+          </a:fillRef>
+          <a:effectRef idx="0">
+            <a:schemeClr val="accent1"/>
+          </a:effectRef>
+          <a:fontRef idx="minor">
+            <a:schemeClr val="lt1"/>
+          </a:fontRef>
+        </p:style>
+        <p:txBody>
+          <a:bodyPr rtlCol="0" anchor="ctr"/>
+          <a:lstStyle/>
+          <a:p>
+            <a:pPr algn="ctr"/>
+            <a:endParaRPr lang="zh-TW" altLang="en-US"/>
+          </a:p>
+        </p:txBody>
+      </p:sp>
+      <p:cxnSp>
+        <p:nvCxnSpPr>
+          <p:cNvPr id="32" name="直線單箭頭接點 31"/>
+          <p:cNvCxnSpPr>
+            <a:endCxn id="13" idx="2"/>
+          </p:cNvCxnSpPr>
+          <p:nvPr/>
+        </p:nvCxnSpPr>
+        <p:spPr>
+          <a:xfrm flipV="1">
+            <a:off x="10625479" y="4889440"/>
+            <a:ext cx="3108" cy="331461"/>
+          </a:xfrm>
+          <a:prstGeom prst="straightConnector1">
             <a:avLst/>
           </a:prstGeom>
           <a:ln>
             <a:solidFill>
-              <a:srgbClr val="2F528F"/>
+              <a:srgbClr val="FF0000"/>
+            </a:solidFill>
+            <a:tailEnd type="triangle"/>
+          </a:ln>
+        </p:spPr>
+        <p:style>
+          <a:lnRef idx="1">
+            <a:schemeClr val="accent1"/>
+          </a:lnRef>
+          <a:fillRef idx="0">
+            <a:schemeClr val="accent1"/>
+          </a:fillRef>
+          <a:effectRef idx="0">
+            <a:schemeClr val="accent1"/>
+          </a:effectRef>
+          <a:fontRef idx="minor">
+            <a:schemeClr val="tx1"/>
+          </a:fontRef>
+        </p:style>
+      </p:cxnSp>
+      <p:cxnSp>
+        <p:nvCxnSpPr>
+          <p:cNvPr id="35" name="肘形接點 34"/>
+          <p:cNvCxnSpPr>
+            <a:stCxn id="27" idx="2"/>
+            <a:endCxn id="6" idx="0"/>
+          </p:cNvCxnSpPr>
+          <p:nvPr/>
+        </p:nvCxnSpPr>
+        <p:spPr>
+          <a:xfrm rot="16200000" flipH="1">
+            <a:off x="4727333" y="3797313"/>
+            <a:ext cx="2587046" cy="260130"/>
+          </a:xfrm>
+          <a:prstGeom prst="bentConnector3">
+            <a:avLst>
+              <a:gd name="adj1" fmla="val 50000"/>
+            </a:avLst>
+          </a:prstGeom>
+          <a:ln>
+            <a:solidFill>
+              <a:srgbClr val="FF0000"/>
             </a:solidFill>
             <a:tailEnd type="triangle"/>
           </a:ln>
@@ -7951,7 +7994,7 @@
     </p:spTree>
     <p:extLst>
       <p:ext uri="{BB962C8B-B14F-4D97-AF65-F5344CB8AC3E}">
-        <p14:creationId xmlns:p14="http://schemas.microsoft.com/office/powerpoint/2010/main" val="3225309890"/>
+        <p14:creationId xmlns:p14="http://schemas.microsoft.com/office/powerpoint/2010/main" val="3512377584"/>
       </p:ext>
     </p:extLst>
   </p:cSld>
